--- a/powerpoint/week-01.pptx
+++ b/powerpoint/week-01.pptx
@@ -2,42 +2,42 @@
 <file path=ppt/presentation.xml><?xml version="1.0" encoding="utf-8"?>
 <p:presentation xmlns:a="http://schemas.openxmlformats.org/drawingml/2006/main" xmlns:r="http://schemas.openxmlformats.org/officeDocument/2006/relationships" xmlns:p="http://schemas.openxmlformats.org/presentationml/2006/main" saveSubsetFonts="1">
   <p:sldMasterIdLst>
-    <p:sldMasterId id="2147483648" r:id="rId1"/>
+    <p:sldMasterId id="2147483648" r:id="rId4"/>
   </p:sldMasterIdLst>
   <p:notesMasterIdLst>
-    <p:notesMasterId r:id="rId32"/>
+    <p:notesMasterId r:id="rId35"/>
   </p:notesMasterIdLst>
   <p:sldIdLst>
-    <p:sldId id="256" r:id="rId2"/>
-    <p:sldId id="388" r:id="rId3"/>
-    <p:sldId id="277" r:id="rId4"/>
-    <p:sldId id="278" r:id="rId5"/>
-    <p:sldId id="291" r:id="rId6"/>
-    <p:sldId id="292" r:id="rId7"/>
-    <p:sldId id="293" r:id="rId8"/>
-    <p:sldId id="294" r:id="rId9"/>
-    <p:sldId id="280" r:id="rId10"/>
-    <p:sldId id="295" r:id="rId11"/>
-    <p:sldId id="298" r:id="rId12"/>
-    <p:sldId id="296" r:id="rId13"/>
-    <p:sldId id="299" r:id="rId14"/>
-    <p:sldId id="290" r:id="rId15"/>
-    <p:sldId id="284" r:id="rId16"/>
-    <p:sldId id="286" r:id="rId17"/>
-    <p:sldId id="285" r:id="rId18"/>
-    <p:sldId id="389" r:id="rId19"/>
-    <p:sldId id="390" r:id="rId20"/>
-    <p:sldId id="272" r:id="rId21"/>
-    <p:sldId id="257" r:id="rId22"/>
-    <p:sldId id="271" r:id="rId23"/>
-    <p:sldId id="391" r:id="rId24"/>
-    <p:sldId id="273" r:id="rId25"/>
-    <p:sldId id="275" r:id="rId26"/>
-    <p:sldId id="274" r:id="rId27"/>
-    <p:sldId id="392" r:id="rId28"/>
-    <p:sldId id="393" r:id="rId29"/>
-    <p:sldId id="394" r:id="rId30"/>
-    <p:sldId id="276" r:id="rId31"/>
+    <p:sldId id="256" r:id="rId5"/>
+    <p:sldId id="388" r:id="rId6"/>
+    <p:sldId id="277" r:id="rId7"/>
+    <p:sldId id="278" r:id="rId8"/>
+    <p:sldId id="291" r:id="rId9"/>
+    <p:sldId id="292" r:id="rId10"/>
+    <p:sldId id="293" r:id="rId11"/>
+    <p:sldId id="294" r:id="rId12"/>
+    <p:sldId id="280" r:id="rId13"/>
+    <p:sldId id="295" r:id="rId14"/>
+    <p:sldId id="298" r:id="rId15"/>
+    <p:sldId id="296" r:id="rId16"/>
+    <p:sldId id="299" r:id="rId17"/>
+    <p:sldId id="290" r:id="rId18"/>
+    <p:sldId id="284" r:id="rId19"/>
+    <p:sldId id="286" r:id="rId20"/>
+    <p:sldId id="285" r:id="rId21"/>
+    <p:sldId id="389" r:id="rId22"/>
+    <p:sldId id="390" r:id="rId23"/>
+    <p:sldId id="272" r:id="rId24"/>
+    <p:sldId id="257" r:id="rId25"/>
+    <p:sldId id="271" r:id="rId26"/>
+    <p:sldId id="391" r:id="rId27"/>
+    <p:sldId id="273" r:id="rId28"/>
+    <p:sldId id="275" r:id="rId29"/>
+    <p:sldId id="274" r:id="rId30"/>
+    <p:sldId id="392" r:id="rId31"/>
+    <p:sldId id="393" r:id="rId32"/>
+    <p:sldId id="394" r:id="rId33"/>
+    <p:sldId id="276" r:id="rId34"/>
   </p:sldIdLst>
   <p:sldSz cx="12192000" cy="6858000"/>
   <p:notesSz cx="6858000" cy="9144000"/>
@@ -158,6 +158,135 @@
 
 <file path=ppt/changesInfos/changesInfo1.xml><?xml version="1.0" encoding="utf-8"?>
 <pc:chgInfo xmlns:a="http://schemas.openxmlformats.org/drawingml/2006/main" xmlns:r="http://schemas.openxmlformats.org/officeDocument/2006/relationships" xmlns:ac="http://schemas.microsoft.com/office/drawing/2013/main/command" xmlns:pc="http://schemas.microsoft.com/office/powerpoint/2013/main/command">
+  <pc:docChgLst>
+    <pc:chgData name="pichet limvajiranan" userId="36ebacc2-b762-4252-9d03-79f70edfd06b" providerId="ADAL" clId="{8D81ED53-77A4-4B23-A207-CDF8C6B892D9}"/>
+    <pc:docChg chg="undo custSel addSld delSld modSld">
+      <pc:chgData name="pichet limvajiranan" userId="36ebacc2-b762-4252-9d03-79f70edfd06b" providerId="ADAL" clId="{8D81ED53-77A4-4B23-A207-CDF8C6B892D9}" dt="2023-02-06T01:57:54.371" v="131" actId="2696"/>
+      <pc:docMkLst>
+        <pc:docMk/>
+      </pc:docMkLst>
+      <pc:sldChg chg="modSp">
+        <pc:chgData name="pichet limvajiranan" userId="36ebacc2-b762-4252-9d03-79f70edfd06b" providerId="ADAL" clId="{8D81ED53-77A4-4B23-A207-CDF8C6B892D9}" dt="2023-02-06T01:49:19.562" v="0" actId="1076"/>
+        <pc:sldMkLst>
+          <pc:docMk/>
+          <pc:sldMk cId="2416333854" sldId="277"/>
+        </pc:sldMkLst>
+        <pc:spChg chg="mod">
+          <ac:chgData name="pichet limvajiranan" userId="36ebacc2-b762-4252-9d03-79f70edfd06b" providerId="ADAL" clId="{8D81ED53-77A4-4B23-A207-CDF8C6B892D9}" dt="2023-02-06T01:49:19.562" v="0" actId="1076"/>
+          <ac:spMkLst>
+            <pc:docMk/>
+            <pc:sldMk cId="2416333854" sldId="277"/>
+            <ac:spMk id="5" creationId="{93358A87-D39E-51D1-CC14-AC5F6EEC9704}"/>
+          </ac:spMkLst>
+        </pc:spChg>
+      </pc:sldChg>
+      <pc:sldChg chg="modSp">
+        <pc:chgData name="pichet limvajiranan" userId="36ebacc2-b762-4252-9d03-79f70edfd06b" providerId="ADAL" clId="{8D81ED53-77A4-4B23-A207-CDF8C6B892D9}" dt="2023-02-06T01:50:07.288" v="1" actId="1076"/>
+        <pc:sldMkLst>
+          <pc:docMk/>
+          <pc:sldMk cId="406072848" sldId="278"/>
+        </pc:sldMkLst>
+        <pc:spChg chg="mod">
+          <ac:chgData name="pichet limvajiranan" userId="36ebacc2-b762-4252-9d03-79f70edfd06b" providerId="ADAL" clId="{8D81ED53-77A4-4B23-A207-CDF8C6B892D9}" dt="2023-02-06T01:50:07.288" v="1" actId="1076"/>
+          <ac:spMkLst>
+            <pc:docMk/>
+            <pc:sldMk cId="406072848" sldId="278"/>
+            <ac:spMk id="3" creationId="{CBB85529-2DE3-412A-8DFA-F69F3055985B}"/>
+          </ac:spMkLst>
+        </pc:spChg>
+      </pc:sldChg>
+      <pc:sldChg chg="delSp">
+        <pc:chgData name="pichet limvajiranan" userId="36ebacc2-b762-4252-9d03-79f70edfd06b" providerId="ADAL" clId="{8D81ED53-77A4-4B23-A207-CDF8C6B892D9}" dt="2023-02-06T01:51:41.537" v="2" actId="478"/>
+        <pc:sldMkLst>
+          <pc:docMk/>
+          <pc:sldMk cId="2400833876" sldId="280"/>
+        </pc:sldMkLst>
+        <pc:spChg chg="del">
+          <ac:chgData name="pichet limvajiranan" userId="36ebacc2-b762-4252-9d03-79f70edfd06b" providerId="ADAL" clId="{8D81ED53-77A4-4B23-A207-CDF8C6B892D9}" dt="2023-02-06T01:51:41.537" v="2" actId="478"/>
+          <ac:spMkLst>
+            <pc:docMk/>
+            <pc:sldMk cId="2400833876" sldId="280"/>
+            <ac:spMk id="7" creationId="{DAC26B5B-4A43-4689-8B2B-082ADDCB8A46}"/>
+          </ac:spMkLst>
+        </pc:spChg>
+      </pc:sldChg>
+      <pc:sldChg chg="modSp del">
+        <pc:chgData name="pichet limvajiranan" userId="36ebacc2-b762-4252-9d03-79f70edfd06b" providerId="ADAL" clId="{8D81ED53-77A4-4B23-A207-CDF8C6B892D9}" dt="2023-02-06T01:57:30.962" v="129" actId="2696"/>
+        <pc:sldMkLst>
+          <pc:docMk/>
+          <pc:sldMk cId="2812513333" sldId="281"/>
+        </pc:sldMkLst>
+        <pc:spChg chg="mod">
+          <ac:chgData name="pichet limvajiranan" userId="36ebacc2-b762-4252-9d03-79f70edfd06b" providerId="ADAL" clId="{8D81ED53-77A4-4B23-A207-CDF8C6B892D9}" dt="2023-02-06T01:56:03.084" v="86" actId="20577"/>
+          <ac:spMkLst>
+            <pc:docMk/>
+            <pc:sldMk cId="2812513333" sldId="281"/>
+            <ac:spMk id="2" creationId="{AFEC0133-D63F-4C7F-8081-72DD9B07FC10}"/>
+          </ac:spMkLst>
+        </pc:spChg>
+        <pc:spChg chg="mod">
+          <ac:chgData name="pichet limvajiranan" userId="36ebacc2-b762-4252-9d03-79f70edfd06b" providerId="ADAL" clId="{8D81ED53-77A4-4B23-A207-CDF8C6B892D9}" dt="2023-02-06T01:54:48.217" v="85" actId="20577"/>
+          <ac:spMkLst>
+            <pc:docMk/>
+            <pc:sldMk cId="2812513333" sldId="281"/>
+            <ac:spMk id="4" creationId="{69A739E6-35A6-4965-AC7F-34AD9998B65F}"/>
+          </ac:spMkLst>
+        </pc:spChg>
+      </pc:sldChg>
+      <pc:sldChg chg="del">
+        <pc:chgData name="pichet limvajiranan" userId="36ebacc2-b762-4252-9d03-79f70edfd06b" providerId="ADAL" clId="{8D81ED53-77A4-4B23-A207-CDF8C6B892D9}" dt="2023-02-06T01:57:42.839" v="130" actId="2696"/>
+        <pc:sldMkLst>
+          <pc:docMk/>
+          <pc:sldMk cId="2455885833" sldId="287"/>
+        </pc:sldMkLst>
+      </pc:sldChg>
+      <pc:sldChg chg="del">
+        <pc:chgData name="pichet limvajiranan" userId="36ebacc2-b762-4252-9d03-79f70edfd06b" providerId="ADAL" clId="{8D81ED53-77A4-4B23-A207-CDF8C6B892D9}" dt="2023-02-06T01:57:54.371" v="131" actId="2696"/>
+        <pc:sldMkLst>
+          <pc:docMk/>
+          <pc:sldMk cId="4103637753" sldId="288"/>
+        </pc:sldMkLst>
+      </pc:sldChg>
+      <pc:sldChg chg="modSp">
+        <pc:chgData name="pichet limvajiranan" userId="36ebacc2-b762-4252-9d03-79f70edfd06b" providerId="ADAL" clId="{8D81ED53-77A4-4B23-A207-CDF8C6B892D9}" dt="2023-02-06T01:53:15.596" v="57" actId="207"/>
+        <pc:sldMkLst>
+          <pc:docMk/>
+          <pc:sldMk cId="560066495" sldId="295"/>
+        </pc:sldMkLst>
+        <pc:spChg chg="mod">
+          <ac:chgData name="pichet limvajiranan" userId="36ebacc2-b762-4252-9d03-79f70edfd06b" providerId="ADAL" clId="{8D81ED53-77A4-4B23-A207-CDF8C6B892D9}" dt="2023-02-06T01:53:15.596" v="57" actId="207"/>
+          <ac:spMkLst>
+            <pc:docMk/>
+            <pc:sldMk cId="560066495" sldId="295"/>
+            <ac:spMk id="3" creationId="{6DF7812E-60DC-5038-56C0-17A0F0D12301}"/>
+          </ac:spMkLst>
+        </pc:spChg>
+      </pc:sldChg>
+      <pc:sldChg chg="modSp add">
+        <pc:chgData name="pichet limvajiranan" userId="36ebacc2-b762-4252-9d03-79f70edfd06b" providerId="ADAL" clId="{8D81ED53-77A4-4B23-A207-CDF8C6B892D9}" dt="2023-02-06T01:56:59.285" v="128" actId="20577"/>
+        <pc:sldMkLst>
+          <pc:docMk/>
+          <pc:sldMk cId="3849819150" sldId="296"/>
+        </pc:sldMkLst>
+        <pc:spChg chg="mod">
+          <ac:chgData name="pichet limvajiranan" userId="36ebacc2-b762-4252-9d03-79f70edfd06b" providerId="ADAL" clId="{8D81ED53-77A4-4B23-A207-CDF8C6B892D9}" dt="2023-02-06T01:56:31.392" v="98" actId="20577"/>
+          <ac:spMkLst>
+            <pc:docMk/>
+            <pc:sldMk cId="3849819150" sldId="296"/>
+            <ac:spMk id="2" creationId="{8DC8DC1E-D2CE-5BDC-1594-7FD1AA358198}"/>
+          </ac:spMkLst>
+        </pc:spChg>
+        <pc:spChg chg="mod">
+          <ac:chgData name="pichet limvajiranan" userId="36ebacc2-b762-4252-9d03-79f70edfd06b" providerId="ADAL" clId="{8D81ED53-77A4-4B23-A207-CDF8C6B892D9}" dt="2023-02-06T01:56:59.285" v="128" actId="20577"/>
+          <ac:spMkLst>
+            <pc:docMk/>
+            <pc:sldMk cId="3849819150" sldId="296"/>
+            <ac:spMk id="3" creationId="{6DF7812E-60DC-5038-56C0-17A0F0D12301}"/>
+          </ac:spMkLst>
+        </pc:spChg>
+      </pc:sldChg>
+    </pc:docChg>
+  </pc:docChgLst>
   <pc:docChgLst>
     <pc:chgData name="pichet limvajiranan" userId="36ebacc2-b762-4252-9d03-79f70edfd06b" providerId="ADAL" clId="{463F7054-D7AD-DD4E-85B4-BAF43C4A0BDA}"/>
     <pc:docChg chg="custSel addSld delSld modSld sldOrd">
@@ -492,172 +621,6 @@
           <pc:docMk/>
           <pc:sldMk cId="1637457288" sldId="389"/>
         </pc:sldMkLst>
-      </pc:sldChg>
-    </pc:docChg>
-  </pc:docChgLst>
-  <pc:docChgLst>
-    <pc:chgData name="pichet limvajiranan" userId="36ebacc2-b762-4252-9d03-79f70edfd06b" providerId="ADAL" clId="{0D85D144-7324-5242-986D-283D9FEE45F8}"/>
-    <pc:docChg chg="addSld delSld modSld">
-      <pc:chgData name="pichet limvajiranan" userId="36ebacc2-b762-4252-9d03-79f70edfd06b" providerId="ADAL" clId="{0D85D144-7324-5242-986D-283D9FEE45F8}" dt="2023-02-05T15:14:07.676" v="74" actId="20577"/>
-      <pc:docMkLst>
-        <pc:docMk/>
-      </pc:docMkLst>
-      <pc:sldChg chg="del">
-        <pc:chgData name="pichet limvajiranan" userId="36ebacc2-b762-4252-9d03-79f70edfd06b" providerId="ADAL" clId="{0D85D144-7324-5242-986D-283D9FEE45F8}" dt="2023-02-05T15:04:36.420" v="0" actId="2696"/>
-        <pc:sldMkLst>
-          <pc:docMk/>
-          <pc:sldMk cId="374617441" sldId="265"/>
-        </pc:sldMkLst>
-      </pc:sldChg>
-      <pc:sldChg chg="del">
-        <pc:chgData name="pichet limvajiranan" userId="36ebacc2-b762-4252-9d03-79f70edfd06b" providerId="ADAL" clId="{0D85D144-7324-5242-986D-283D9FEE45F8}" dt="2023-02-05T15:05:22.721" v="1" actId="2696"/>
-        <pc:sldMkLst>
-          <pc:docMk/>
-          <pc:sldMk cId="2903408861" sldId="276"/>
-        </pc:sldMkLst>
-      </pc:sldChg>
-      <pc:sldChg chg="addSp modSp mod">
-        <pc:chgData name="pichet limvajiranan" userId="36ebacc2-b762-4252-9d03-79f70edfd06b" providerId="ADAL" clId="{0D85D144-7324-5242-986D-283D9FEE45F8}" dt="2023-02-05T15:10:31.867" v="32" actId="1076"/>
-        <pc:sldMkLst>
-          <pc:docMk/>
-          <pc:sldMk cId="2416333854" sldId="277"/>
-        </pc:sldMkLst>
-        <pc:spChg chg="add mod">
-          <ac:chgData name="pichet limvajiranan" userId="36ebacc2-b762-4252-9d03-79f70edfd06b" providerId="ADAL" clId="{0D85D144-7324-5242-986D-283D9FEE45F8}" dt="2023-02-05T15:08:42.205" v="24" actId="207"/>
-          <ac:spMkLst>
-            <pc:docMk/>
-            <pc:sldMk cId="2416333854" sldId="277"/>
-            <ac:spMk id="3" creationId="{0B45938D-92B8-DF19-B244-109BA540E5C5}"/>
-          </ac:spMkLst>
-        </pc:spChg>
-        <pc:spChg chg="add mod">
-          <ac:chgData name="pichet limvajiranan" userId="36ebacc2-b762-4252-9d03-79f70edfd06b" providerId="ADAL" clId="{0D85D144-7324-5242-986D-283D9FEE45F8}" dt="2023-02-05T15:10:31.867" v="32" actId="1076"/>
-          <ac:spMkLst>
-            <pc:docMk/>
-            <pc:sldMk cId="2416333854" sldId="277"/>
-            <ac:spMk id="4" creationId="{11990B55-B94F-33DE-7FF4-CE2C95950220}"/>
-          </ac:spMkLst>
-        </pc:spChg>
-        <pc:spChg chg="add mod">
-          <ac:chgData name="pichet limvajiranan" userId="36ebacc2-b762-4252-9d03-79f70edfd06b" providerId="ADAL" clId="{0D85D144-7324-5242-986D-283D9FEE45F8}" dt="2023-02-05T15:10:18.928" v="31" actId="20577"/>
-          <ac:spMkLst>
-            <pc:docMk/>
-            <pc:sldMk cId="2416333854" sldId="277"/>
-            <ac:spMk id="5" creationId="{93358A87-D39E-51D1-CC14-AC5F6EEC9704}"/>
-          </ac:spMkLst>
-        </pc:spChg>
-      </pc:sldChg>
-      <pc:sldChg chg="del">
-        <pc:chgData name="pichet limvajiranan" userId="36ebacc2-b762-4252-9d03-79f70edfd06b" providerId="ADAL" clId="{0D85D144-7324-5242-986D-283D9FEE45F8}" dt="2023-02-05T15:11:25.328" v="33" actId="2696"/>
-        <pc:sldMkLst>
-          <pc:docMk/>
-          <pc:sldMk cId="889753629" sldId="279"/>
-        </pc:sldMkLst>
-      </pc:sldChg>
-      <pc:sldChg chg="modSp mod">
-        <pc:chgData name="pichet limvajiranan" userId="36ebacc2-b762-4252-9d03-79f70edfd06b" providerId="ADAL" clId="{0D85D144-7324-5242-986D-283D9FEE45F8}" dt="2023-02-05T15:13:00.183" v="39" actId="20577"/>
-        <pc:sldMkLst>
-          <pc:docMk/>
-          <pc:sldMk cId="2512423184" sldId="284"/>
-        </pc:sldMkLst>
-        <pc:spChg chg="mod">
-          <ac:chgData name="pichet limvajiranan" userId="36ebacc2-b762-4252-9d03-79f70edfd06b" providerId="ADAL" clId="{0D85D144-7324-5242-986D-283D9FEE45F8}" dt="2023-02-05T15:13:00.183" v="39" actId="20577"/>
-          <ac:spMkLst>
-            <pc:docMk/>
-            <pc:sldMk cId="2512423184" sldId="284"/>
-            <ac:spMk id="2" creationId="{5563CBB0-C305-4976-91BF-B2014C60D1EC}"/>
-          </ac:spMkLst>
-        </pc:spChg>
-      </pc:sldChg>
-      <pc:sldChg chg="modSp mod">
-        <pc:chgData name="pichet limvajiranan" userId="36ebacc2-b762-4252-9d03-79f70edfd06b" providerId="ADAL" clId="{0D85D144-7324-5242-986D-283D9FEE45F8}" dt="2023-02-05T15:12:29.783" v="34" actId="20577"/>
-        <pc:sldMkLst>
-          <pc:docMk/>
-          <pc:sldMk cId="3568251923" sldId="285"/>
-        </pc:sldMkLst>
-        <pc:spChg chg="mod">
-          <ac:chgData name="pichet limvajiranan" userId="36ebacc2-b762-4252-9d03-79f70edfd06b" providerId="ADAL" clId="{0D85D144-7324-5242-986D-283D9FEE45F8}" dt="2023-02-05T15:12:29.783" v="34" actId="20577"/>
-          <ac:spMkLst>
-            <pc:docMk/>
-            <pc:sldMk cId="3568251923" sldId="285"/>
-            <ac:spMk id="2" creationId="{5563CBB0-C305-4976-91BF-B2014C60D1EC}"/>
-          </ac:spMkLst>
-        </pc:spChg>
-      </pc:sldChg>
-      <pc:sldChg chg="modSp mod">
-        <pc:chgData name="pichet limvajiranan" userId="36ebacc2-b762-4252-9d03-79f70edfd06b" providerId="ADAL" clId="{0D85D144-7324-5242-986D-283D9FEE45F8}" dt="2023-02-05T15:12:53.157" v="37" actId="20577"/>
-        <pc:sldMkLst>
-          <pc:docMk/>
-          <pc:sldMk cId="1729827567" sldId="286"/>
-        </pc:sldMkLst>
-        <pc:spChg chg="mod">
-          <ac:chgData name="pichet limvajiranan" userId="36ebacc2-b762-4252-9d03-79f70edfd06b" providerId="ADAL" clId="{0D85D144-7324-5242-986D-283D9FEE45F8}" dt="2023-02-05T15:12:53.157" v="37" actId="20577"/>
-          <ac:spMkLst>
-            <pc:docMk/>
-            <pc:sldMk cId="1729827567" sldId="286"/>
-            <ac:spMk id="2" creationId="{5563CBB0-C305-4976-91BF-B2014C60D1EC}"/>
-          </ac:spMkLst>
-        </pc:spChg>
-      </pc:sldChg>
-      <pc:sldChg chg="modSp mod">
-        <pc:chgData name="pichet limvajiranan" userId="36ebacc2-b762-4252-9d03-79f70edfd06b" providerId="ADAL" clId="{0D85D144-7324-5242-986D-283D9FEE45F8}" dt="2023-02-05T15:13:05.265" v="41" actId="20577"/>
-        <pc:sldMkLst>
-          <pc:docMk/>
-          <pc:sldMk cId="2455885833" sldId="287"/>
-        </pc:sldMkLst>
-        <pc:spChg chg="mod">
-          <ac:chgData name="pichet limvajiranan" userId="36ebacc2-b762-4252-9d03-79f70edfd06b" providerId="ADAL" clId="{0D85D144-7324-5242-986D-283D9FEE45F8}" dt="2023-02-05T15:13:05.265" v="41" actId="20577"/>
-          <ac:spMkLst>
-            <pc:docMk/>
-            <pc:sldMk cId="2455885833" sldId="287"/>
-            <ac:spMk id="3" creationId="{24A6CD86-5B20-40D8-9C39-15E243CA08A8}"/>
-          </ac:spMkLst>
-        </pc:spChg>
-      </pc:sldChg>
-      <pc:sldChg chg="modSp mod">
-        <pc:chgData name="pichet limvajiranan" userId="36ebacc2-b762-4252-9d03-79f70edfd06b" providerId="ADAL" clId="{0D85D144-7324-5242-986D-283D9FEE45F8}" dt="2023-02-05T15:12:40.318" v="35" actId="20577"/>
-        <pc:sldMkLst>
-          <pc:docMk/>
-          <pc:sldMk cId="4103637753" sldId="288"/>
-        </pc:sldMkLst>
-        <pc:spChg chg="mod">
-          <ac:chgData name="pichet limvajiranan" userId="36ebacc2-b762-4252-9d03-79f70edfd06b" providerId="ADAL" clId="{0D85D144-7324-5242-986D-283D9FEE45F8}" dt="2023-02-05T15:12:40.318" v="35" actId="20577"/>
-          <ac:spMkLst>
-            <pc:docMk/>
-            <pc:sldMk cId="4103637753" sldId="288"/>
-            <ac:spMk id="5" creationId="{9335A9EF-0CD2-4E96-9105-2FA73BA22675}"/>
-          </ac:spMkLst>
-        </pc:spChg>
-      </pc:sldChg>
-      <pc:sldChg chg="modSp mod">
-        <pc:chgData name="pichet limvajiranan" userId="36ebacc2-b762-4252-9d03-79f70edfd06b" providerId="ADAL" clId="{0D85D144-7324-5242-986D-283D9FEE45F8}" dt="2023-02-05T15:13:11.519" v="43" actId="20577"/>
-        <pc:sldMkLst>
-          <pc:docMk/>
-          <pc:sldMk cId="3874176980" sldId="290"/>
-        </pc:sldMkLst>
-        <pc:spChg chg="mod">
-          <ac:chgData name="pichet limvajiranan" userId="36ebacc2-b762-4252-9d03-79f70edfd06b" providerId="ADAL" clId="{0D85D144-7324-5242-986D-283D9FEE45F8}" dt="2023-02-05T15:13:11.519" v="43" actId="20577"/>
-          <ac:spMkLst>
-            <pc:docMk/>
-            <pc:sldMk cId="3874176980" sldId="290"/>
-            <ac:spMk id="2" creationId="{BBCED542-22DE-4926-9EFF-0EBEF8ECCD83}"/>
-          </ac:spMkLst>
-        </pc:spChg>
-      </pc:sldChg>
-      <pc:sldChg chg="modSp new mod">
-        <pc:chgData name="pichet limvajiranan" userId="36ebacc2-b762-4252-9d03-79f70edfd06b" providerId="ADAL" clId="{0D85D144-7324-5242-986D-283D9FEE45F8}" dt="2023-02-05T15:14:07.676" v="74" actId="20577"/>
-        <pc:sldMkLst>
-          <pc:docMk/>
-          <pc:sldMk cId="560066495" sldId="295"/>
-        </pc:sldMkLst>
-        <pc:spChg chg="mod">
-          <ac:chgData name="pichet limvajiranan" userId="36ebacc2-b762-4252-9d03-79f70edfd06b" providerId="ADAL" clId="{0D85D144-7324-5242-986D-283D9FEE45F8}" dt="2023-02-05T15:14:07.676" v="74" actId="20577"/>
-          <ac:spMkLst>
-            <pc:docMk/>
-            <pc:sldMk cId="560066495" sldId="295"/>
-            <ac:spMk id="2" creationId="{8DC8DC1E-D2CE-5BDC-1594-7FD1AA358198}"/>
-          </ac:spMkLst>
-        </pc:spChg>
       </pc:sldChg>
     </pc:docChg>
   </pc:docChgLst>
@@ -1740,20 +1703,50 @@
     </pc:docChg>
   </pc:docChgLst>
   <pc:docChgLst>
-    <pc:chgData name="pichet limvajiranan" userId="36ebacc2-b762-4252-9d03-79f70edfd06b" providerId="ADAL" clId="{8D81ED53-77A4-4B23-A207-CDF8C6B892D9}"/>
-    <pc:docChg chg="undo custSel addSld delSld modSld">
-      <pc:chgData name="pichet limvajiranan" userId="36ebacc2-b762-4252-9d03-79f70edfd06b" providerId="ADAL" clId="{8D81ED53-77A4-4B23-A207-CDF8C6B892D9}" dt="2023-02-06T01:57:54.371" v="131" actId="2696"/>
+    <pc:chgData name="pichet limvajiranan" userId="36ebacc2-b762-4252-9d03-79f70edfd06b" providerId="ADAL" clId="{0D85D144-7324-5242-986D-283D9FEE45F8}"/>
+    <pc:docChg chg="addSld delSld modSld">
+      <pc:chgData name="pichet limvajiranan" userId="36ebacc2-b762-4252-9d03-79f70edfd06b" providerId="ADAL" clId="{0D85D144-7324-5242-986D-283D9FEE45F8}" dt="2023-02-05T15:14:07.676" v="74" actId="20577"/>
       <pc:docMkLst>
         <pc:docMk/>
       </pc:docMkLst>
-      <pc:sldChg chg="modSp">
-        <pc:chgData name="pichet limvajiranan" userId="36ebacc2-b762-4252-9d03-79f70edfd06b" providerId="ADAL" clId="{8D81ED53-77A4-4B23-A207-CDF8C6B892D9}" dt="2023-02-06T01:49:19.562" v="0" actId="1076"/>
+      <pc:sldChg chg="del">
+        <pc:chgData name="pichet limvajiranan" userId="36ebacc2-b762-4252-9d03-79f70edfd06b" providerId="ADAL" clId="{0D85D144-7324-5242-986D-283D9FEE45F8}" dt="2023-02-05T15:04:36.420" v="0" actId="2696"/>
+        <pc:sldMkLst>
+          <pc:docMk/>
+          <pc:sldMk cId="374617441" sldId="265"/>
+        </pc:sldMkLst>
+      </pc:sldChg>
+      <pc:sldChg chg="del">
+        <pc:chgData name="pichet limvajiranan" userId="36ebacc2-b762-4252-9d03-79f70edfd06b" providerId="ADAL" clId="{0D85D144-7324-5242-986D-283D9FEE45F8}" dt="2023-02-05T15:05:22.721" v="1" actId="2696"/>
+        <pc:sldMkLst>
+          <pc:docMk/>
+          <pc:sldMk cId="2903408861" sldId="276"/>
+        </pc:sldMkLst>
+      </pc:sldChg>
+      <pc:sldChg chg="addSp modSp mod">
+        <pc:chgData name="pichet limvajiranan" userId="36ebacc2-b762-4252-9d03-79f70edfd06b" providerId="ADAL" clId="{0D85D144-7324-5242-986D-283D9FEE45F8}" dt="2023-02-05T15:10:31.867" v="32" actId="1076"/>
         <pc:sldMkLst>
           <pc:docMk/>
           <pc:sldMk cId="2416333854" sldId="277"/>
         </pc:sldMkLst>
-        <pc:spChg chg="mod">
-          <ac:chgData name="pichet limvajiranan" userId="36ebacc2-b762-4252-9d03-79f70edfd06b" providerId="ADAL" clId="{8D81ED53-77A4-4B23-A207-CDF8C6B892D9}" dt="2023-02-06T01:49:19.562" v="0" actId="1076"/>
+        <pc:spChg chg="add mod">
+          <ac:chgData name="pichet limvajiranan" userId="36ebacc2-b762-4252-9d03-79f70edfd06b" providerId="ADAL" clId="{0D85D144-7324-5242-986D-283D9FEE45F8}" dt="2023-02-05T15:08:42.205" v="24" actId="207"/>
+          <ac:spMkLst>
+            <pc:docMk/>
+            <pc:sldMk cId="2416333854" sldId="277"/>
+            <ac:spMk id="3" creationId="{0B45938D-92B8-DF19-B244-109BA540E5C5}"/>
+          </ac:spMkLst>
+        </pc:spChg>
+        <pc:spChg chg="add mod">
+          <ac:chgData name="pichet limvajiranan" userId="36ebacc2-b762-4252-9d03-79f70edfd06b" providerId="ADAL" clId="{0D85D144-7324-5242-986D-283D9FEE45F8}" dt="2023-02-05T15:10:31.867" v="32" actId="1076"/>
+          <ac:spMkLst>
+            <pc:docMk/>
+            <pc:sldMk cId="2416333854" sldId="277"/>
+            <ac:spMk id="4" creationId="{11990B55-B94F-33DE-7FF4-CE2C95950220}"/>
+          </ac:spMkLst>
+        </pc:spChg>
+        <pc:spChg chg="add mod">
+          <ac:chgData name="pichet limvajiranan" userId="36ebacc2-b762-4252-9d03-79f70edfd06b" providerId="ADAL" clId="{0D85D144-7324-5242-986D-283D9FEE45F8}" dt="2023-02-05T15:10:18.928" v="31" actId="20577"/>
           <ac:spMkLst>
             <pc:docMk/>
             <pc:sldMk cId="2416333854" sldId="277"/>
@@ -1761,108 +1754,115 @@
           </ac:spMkLst>
         </pc:spChg>
       </pc:sldChg>
-      <pc:sldChg chg="modSp">
-        <pc:chgData name="pichet limvajiranan" userId="36ebacc2-b762-4252-9d03-79f70edfd06b" providerId="ADAL" clId="{8D81ED53-77A4-4B23-A207-CDF8C6B892D9}" dt="2023-02-06T01:50:07.288" v="1" actId="1076"/>
+      <pc:sldChg chg="del">
+        <pc:chgData name="pichet limvajiranan" userId="36ebacc2-b762-4252-9d03-79f70edfd06b" providerId="ADAL" clId="{0D85D144-7324-5242-986D-283D9FEE45F8}" dt="2023-02-05T15:11:25.328" v="33" actId="2696"/>
         <pc:sldMkLst>
           <pc:docMk/>
-          <pc:sldMk cId="406072848" sldId="278"/>
+          <pc:sldMk cId="889753629" sldId="279"/>
+        </pc:sldMkLst>
+      </pc:sldChg>
+      <pc:sldChg chg="modSp mod">
+        <pc:chgData name="pichet limvajiranan" userId="36ebacc2-b762-4252-9d03-79f70edfd06b" providerId="ADAL" clId="{0D85D144-7324-5242-986D-283D9FEE45F8}" dt="2023-02-05T15:13:00.183" v="39" actId="20577"/>
+        <pc:sldMkLst>
+          <pc:docMk/>
+          <pc:sldMk cId="2512423184" sldId="284"/>
         </pc:sldMkLst>
         <pc:spChg chg="mod">
-          <ac:chgData name="pichet limvajiranan" userId="36ebacc2-b762-4252-9d03-79f70edfd06b" providerId="ADAL" clId="{8D81ED53-77A4-4B23-A207-CDF8C6B892D9}" dt="2023-02-06T01:50:07.288" v="1" actId="1076"/>
+          <ac:chgData name="pichet limvajiranan" userId="36ebacc2-b762-4252-9d03-79f70edfd06b" providerId="ADAL" clId="{0D85D144-7324-5242-986D-283D9FEE45F8}" dt="2023-02-05T15:13:00.183" v="39" actId="20577"/>
           <ac:spMkLst>
             <pc:docMk/>
-            <pc:sldMk cId="406072848" sldId="278"/>
-            <ac:spMk id="3" creationId="{CBB85529-2DE3-412A-8DFA-F69F3055985B}"/>
+            <pc:sldMk cId="2512423184" sldId="284"/>
+            <ac:spMk id="2" creationId="{5563CBB0-C305-4976-91BF-B2014C60D1EC}"/>
           </ac:spMkLst>
         </pc:spChg>
       </pc:sldChg>
-      <pc:sldChg chg="delSp">
-        <pc:chgData name="pichet limvajiranan" userId="36ebacc2-b762-4252-9d03-79f70edfd06b" providerId="ADAL" clId="{8D81ED53-77A4-4B23-A207-CDF8C6B892D9}" dt="2023-02-06T01:51:41.537" v="2" actId="478"/>
+      <pc:sldChg chg="modSp mod">
+        <pc:chgData name="pichet limvajiranan" userId="36ebacc2-b762-4252-9d03-79f70edfd06b" providerId="ADAL" clId="{0D85D144-7324-5242-986D-283D9FEE45F8}" dt="2023-02-05T15:12:29.783" v="34" actId="20577"/>
         <pc:sldMkLst>
           <pc:docMk/>
-          <pc:sldMk cId="2400833876" sldId="280"/>
+          <pc:sldMk cId="3568251923" sldId="285"/>
         </pc:sldMkLst>
-        <pc:spChg chg="del">
-          <ac:chgData name="pichet limvajiranan" userId="36ebacc2-b762-4252-9d03-79f70edfd06b" providerId="ADAL" clId="{8D81ED53-77A4-4B23-A207-CDF8C6B892D9}" dt="2023-02-06T01:51:41.537" v="2" actId="478"/>
+        <pc:spChg chg="mod">
+          <ac:chgData name="pichet limvajiranan" userId="36ebacc2-b762-4252-9d03-79f70edfd06b" providerId="ADAL" clId="{0D85D144-7324-5242-986D-283D9FEE45F8}" dt="2023-02-05T15:12:29.783" v="34" actId="20577"/>
           <ac:spMkLst>
             <pc:docMk/>
-            <pc:sldMk cId="2400833876" sldId="280"/>
-            <ac:spMk id="7" creationId="{DAC26B5B-4A43-4689-8B2B-082ADDCB8A46}"/>
+            <pc:sldMk cId="3568251923" sldId="285"/>
+            <ac:spMk id="2" creationId="{5563CBB0-C305-4976-91BF-B2014C60D1EC}"/>
           </ac:spMkLst>
         </pc:spChg>
       </pc:sldChg>
-      <pc:sldChg chg="modSp del">
-        <pc:chgData name="pichet limvajiranan" userId="36ebacc2-b762-4252-9d03-79f70edfd06b" providerId="ADAL" clId="{8D81ED53-77A4-4B23-A207-CDF8C6B892D9}" dt="2023-02-06T01:57:30.962" v="129" actId="2696"/>
+      <pc:sldChg chg="modSp mod">
+        <pc:chgData name="pichet limvajiranan" userId="36ebacc2-b762-4252-9d03-79f70edfd06b" providerId="ADAL" clId="{0D85D144-7324-5242-986D-283D9FEE45F8}" dt="2023-02-05T15:12:53.157" v="37" actId="20577"/>
         <pc:sldMkLst>
           <pc:docMk/>
-          <pc:sldMk cId="2812513333" sldId="281"/>
+          <pc:sldMk cId="1729827567" sldId="286"/>
         </pc:sldMkLst>
         <pc:spChg chg="mod">
-          <ac:chgData name="pichet limvajiranan" userId="36ebacc2-b762-4252-9d03-79f70edfd06b" providerId="ADAL" clId="{8D81ED53-77A4-4B23-A207-CDF8C6B892D9}" dt="2023-02-06T01:56:03.084" v="86" actId="20577"/>
+          <ac:chgData name="pichet limvajiranan" userId="36ebacc2-b762-4252-9d03-79f70edfd06b" providerId="ADAL" clId="{0D85D144-7324-5242-986D-283D9FEE45F8}" dt="2023-02-05T15:12:53.157" v="37" actId="20577"/>
           <ac:spMkLst>
             <pc:docMk/>
-            <pc:sldMk cId="2812513333" sldId="281"/>
-            <ac:spMk id="2" creationId="{AFEC0133-D63F-4C7F-8081-72DD9B07FC10}"/>
-          </ac:spMkLst>
-        </pc:spChg>
-        <pc:spChg chg="mod">
-          <ac:chgData name="pichet limvajiranan" userId="36ebacc2-b762-4252-9d03-79f70edfd06b" providerId="ADAL" clId="{8D81ED53-77A4-4B23-A207-CDF8C6B892D9}" dt="2023-02-06T01:54:48.217" v="85" actId="20577"/>
-          <ac:spMkLst>
-            <pc:docMk/>
-            <pc:sldMk cId="2812513333" sldId="281"/>
-            <ac:spMk id="4" creationId="{69A739E6-35A6-4965-AC7F-34AD9998B65F}"/>
+            <pc:sldMk cId="1729827567" sldId="286"/>
+            <ac:spMk id="2" creationId="{5563CBB0-C305-4976-91BF-B2014C60D1EC}"/>
           </ac:spMkLst>
         </pc:spChg>
       </pc:sldChg>
-      <pc:sldChg chg="del">
-        <pc:chgData name="pichet limvajiranan" userId="36ebacc2-b762-4252-9d03-79f70edfd06b" providerId="ADAL" clId="{8D81ED53-77A4-4B23-A207-CDF8C6B892D9}" dt="2023-02-06T01:57:42.839" v="130" actId="2696"/>
+      <pc:sldChg chg="modSp mod">
+        <pc:chgData name="pichet limvajiranan" userId="36ebacc2-b762-4252-9d03-79f70edfd06b" providerId="ADAL" clId="{0D85D144-7324-5242-986D-283D9FEE45F8}" dt="2023-02-05T15:13:05.265" v="41" actId="20577"/>
         <pc:sldMkLst>
           <pc:docMk/>
           <pc:sldMk cId="2455885833" sldId="287"/>
         </pc:sldMkLst>
+        <pc:spChg chg="mod">
+          <ac:chgData name="pichet limvajiranan" userId="36ebacc2-b762-4252-9d03-79f70edfd06b" providerId="ADAL" clId="{0D85D144-7324-5242-986D-283D9FEE45F8}" dt="2023-02-05T15:13:05.265" v="41" actId="20577"/>
+          <ac:spMkLst>
+            <pc:docMk/>
+            <pc:sldMk cId="2455885833" sldId="287"/>
+            <ac:spMk id="3" creationId="{24A6CD86-5B20-40D8-9C39-15E243CA08A8}"/>
+          </ac:spMkLst>
+        </pc:spChg>
       </pc:sldChg>
-      <pc:sldChg chg="del">
-        <pc:chgData name="pichet limvajiranan" userId="36ebacc2-b762-4252-9d03-79f70edfd06b" providerId="ADAL" clId="{8D81ED53-77A4-4B23-A207-CDF8C6B892D9}" dt="2023-02-06T01:57:54.371" v="131" actId="2696"/>
+      <pc:sldChg chg="modSp mod">
+        <pc:chgData name="pichet limvajiranan" userId="36ebacc2-b762-4252-9d03-79f70edfd06b" providerId="ADAL" clId="{0D85D144-7324-5242-986D-283D9FEE45F8}" dt="2023-02-05T15:12:40.318" v="35" actId="20577"/>
         <pc:sldMkLst>
           <pc:docMk/>
           <pc:sldMk cId="4103637753" sldId="288"/>
         </pc:sldMkLst>
+        <pc:spChg chg="mod">
+          <ac:chgData name="pichet limvajiranan" userId="36ebacc2-b762-4252-9d03-79f70edfd06b" providerId="ADAL" clId="{0D85D144-7324-5242-986D-283D9FEE45F8}" dt="2023-02-05T15:12:40.318" v="35" actId="20577"/>
+          <ac:spMkLst>
+            <pc:docMk/>
+            <pc:sldMk cId="4103637753" sldId="288"/>
+            <ac:spMk id="5" creationId="{9335A9EF-0CD2-4E96-9105-2FA73BA22675}"/>
+          </ac:spMkLst>
+        </pc:spChg>
       </pc:sldChg>
-      <pc:sldChg chg="modSp">
-        <pc:chgData name="pichet limvajiranan" userId="36ebacc2-b762-4252-9d03-79f70edfd06b" providerId="ADAL" clId="{8D81ED53-77A4-4B23-A207-CDF8C6B892D9}" dt="2023-02-06T01:53:15.596" v="57" actId="207"/>
+      <pc:sldChg chg="modSp mod">
+        <pc:chgData name="pichet limvajiranan" userId="36ebacc2-b762-4252-9d03-79f70edfd06b" providerId="ADAL" clId="{0D85D144-7324-5242-986D-283D9FEE45F8}" dt="2023-02-05T15:13:11.519" v="43" actId="20577"/>
+        <pc:sldMkLst>
+          <pc:docMk/>
+          <pc:sldMk cId="3874176980" sldId="290"/>
+        </pc:sldMkLst>
+        <pc:spChg chg="mod">
+          <ac:chgData name="pichet limvajiranan" userId="36ebacc2-b762-4252-9d03-79f70edfd06b" providerId="ADAL" clId="{0D85D144-7324-5242-986D-283D9FEE45F8}" dt="2023-02-05T15:13:11.519" v="43" actId="20577"/>
+          <ac:spMkLst>
+            <pc:docMk/>
+            <pc:sldMk cId="3874176980" sldId="290"/>
+            <ac:spMk id="2" creationId="{BBCED542-22DE-4926-9EFF-0EBEF8ECCD83}"/>
+          </ac:spMkLst>
+        </pc:spChg>
+      </pc:sldChg>
+      <pc:sldChg chg="modSp new mod">
+        <pc:chgData name="pichet limvajiranan" userId="36ebacc2-b762-4252-9d03-79f70edfd06b" providerId="ADAL" clId="{0D85D144-7324-5242-986D-283D9FEE45F8}" dt="2023-02-05T15:14:07.676" v="74" actId="20577"/>
         <pc:sldMkLst>
           <pc:docMk/>
           <pc:sldMk cId="560066495" sldId="295"/>
         </pc:sldMkLst>
         <pc:spChg chg="mod">
-          <ac:chgData name="pichet limvajiranan" userId="36ebacc2-b762-4252-9d03-79f70edfd06b" providerId="ADAL" clId="{8D81ED53-77A4-4B23-A207-CDF8C6B892D9}" dt="2023-02-06T01:53:15.596" v="57" actId="207"/>
+          <ac:chgData name="pichet limvajiranan" userId="36ebacc2-b762-4252-9d03-79f70edfd06b" providerId="ADAL" clId="{0D85D144-7324-5242-986D-283D9FEE45F8}" dt="2023-02-05T15:14:07.676" v="74" actId="20577"/>
           <ac:spMkLst>
             <pc:docMk/>
             <pc:sldMk cId="560066495" sldId="295"/>
-            <ac:spMk id="3" creationId="{6DF7812E-60DC-5038-56C0-17A0F0D12301}"/>
-          </ac:spMkLst>
-        </pc:spChg>
-      </pc:sldChg>
-      <pc:sldChg chg="modSp add">
-        <pc:chgData name="pichet limvajiranan" userId="36ebacc2-b762-4252-9d03-79f70edfd06b" providerId="ADAL" clId="{8D81ED53-77A4-4B23-A207-CDF8C6B892D9}" dt="2023-02-06T01:56:59.285" v="128" actId="20577"/>
-        <pc:sldMkLst>
-          <pc:docMk/>
-          <pc:sldMk cId="3849819150" sldId="296"/>
-        </pc:sldMkLst>
-        <pc:spChg chg="mod">
-          <ac:chgData name="pichet limvajiranan" userId="36ebacc2-b762-4252-9d03-79f70edfd06b" providerId="ADAL" clId="{8D81ED53-77A4-4B23-A207-CDF8C6B892D9}" dt="2023-02-06T01:56:31.392" v="98" actId="20577"/>
-          <ac:spMkLst>
-            <pc:docMk/>
-            <pc:sldMk cId="3849819150" sldId="296"/>
             <ac:spMk id="2" creationId="{8DC8DC1E-D2CE-5BDC-1594-7FD1AA358198}"/>
-          </ac:spMkLst>
-        </pc:spChg>
-        <pc:spChg chg="mod">
-          <ac:chgData name="pichet limvajiranan" userId="36ebacc2-b762-4252-9d03-79f70edfd06b" providerId="ADAL" clId="{8D81ED53-77A4-4B23-A207-CDF8C6B892D9}" dt="2023-02-06T01:56:59.285" v="128" actId="20577"/>
-          <ac:spMkLst>
-            <pc:docMk/>
-            <pc:sldMk cId="3849819150" sldId="296"/>
-            <ac:spMk id="3" creationId="{6DF7812E-60DC-5038-56C0-17A0F0D12301}"/>
           </ac:spMkLst>
         </pc:spChg>
       </pc:sldChg>
@@ -1953,7 +1953,7 @@
           <a:p>
             <a:fld id="{10CEF620-8922-4C32-A55D-A0F45541F96E}" type="datetimeFigureOut">
               <a:rPr lang="en-US" smtClean="0"/>
-              <a:t>1/15/24</a:t>
+              <a:t>4/23/2024</a:t>
             </a:fld>
             <a:endParaRPr lang="en-US"/>
           </a:p>
@@ -2367,7 +2367,7 @@
           <a:p>
             <a:fld id="{6B711881-F612-4398-96DF-95888C1B5250}" type="datetimeFigureOut">
               <a:rPr lang="en-US" smtClean="0"/>
-              <a:t>1/15/24</a:t>
+              <a:t>4/23/2024</a:t>
             </a:fld>
             <a:endParaRPr lang="en-US"/>
           </a:p>
@@ -2565,7 +2565,7 @@
           <a:p>
             <a:fld id="{6B711881-F612-4398-96DF-95888C1B5250}" type="datetimeFigureOut">
               <a:rPr lang="en-US" smtClean="0"/>
-              <a:t>1/15/24</a:t>
+              <a:t>4/23/2024</a:t>
             </a:fld>
             <a:endParaRPr lang="en-US"/>
           </a:p>
@@ -2773,7 +2773,7 @@
           <a:p>
             <a:fld id="{6B711881-F612-4398-96DF-95888C1B5250}" type="datetimeFigureOut">
               <a:rPr lang="en-US" smtClean="0"/>
-              <a:t>1/15/24</a:t>
+              <a:t>4/23/2024</a:t>
             </a:fld>
             <a:endParaRPr lang="en-US"/>
           </a:p>
@@ -2971,7 +2971,7 @@
           <a:p>
             <a:fld id="{6B711881-F612-4398-96DF-95888C1B5250}" type="datetimeFigureOut">
               <a:rPr lang="en-US" smtClean="0"/>
-              <a:t>1/15/24</a:t>
+              <a:t>4/23/2024</a:t>
             </a:fld>
             <a:endParaRPr lang="en-US"/>
           </a:p>
@@ -3246,7 +3246,7 @@
           <a:p>
             <a:fld id="{6B711881-F612-4398-96DF-95888C1B5250}" type="datetimeFigureOut">
               <a:rPr lang="en-US" smtClean="0"/>
-              <a:t>1/15/24</a:t>
+              <a:t>4/23/2024</a:t>
             </a:fld>
             <a:endParaRPr lang="en-US"/>
           </a:p>
@@ -3511,7 +3511,7 @@
           <a:p>
             <a:fld id="{6B711881-F612-4398-96DF-95888C1B5250}" type="datetimeFigureOut">
               <a:rPr lang="en-US" smtClean="0"/>
-              <a:t>1/15/24</a:t>
+              <a:t>4/23/2024</a:t>
             </a:fld>
             <a:endParaRPr lang="en-US"/>
           </a:p>
@@ -3923,7 +3923,7 @@
           <a:p>
             <a:fld id="{6B711881-F612-4398-96DF-95888C1B5250}" type="datetimeFigureOut">
               <a:rPr lang="en-US" smtClean="0"/>
-              <a:t>1/15/24</a:t>
+              <a:t>4/23/2024</a:t>
             </a:fld>
             <a:endParaRPr lang="en-US"/>
           </a:p>
@@ -4064,7 +4064,7 @@
           <a:p>
             <a:fld id="{6B711881-F612-4398-96DF-95888C1B5250}" type="datetimeFigureOut">
               <a:rPr lang="en-US" smtClean="0"/>
-              <a:t>1/15/24</a:t>
+              <a:t>4/23/2024</a:t>
             </a:fld>
             <a:endParaRPr lang="en-US"/>
           </a:p>
@@ -4177,7 +4177,7 @@
           <a:p>
             <a:fld id="{6B711881-F612-4398-96DF-95888C1B5250}" type="datetimeFigureOut">
               <a:rPr lang="en-US" smtClean="0"/>
-              <a:t>1/15/24</a:t>
+              <a:t>4/23/2024</a:t>
             </a:fld>
             <a:endParaRPr lang="en-US"/>
           </a:p>
@@ -4488,7 +4488,7 @@
           <a:p>
             <a:fld id="{6B711881-F612-4398-96DF-95888C1B5250}" type="datetimeFigureOut">
               <a:rPr lang="en-US" smtClean="0"/>
-              <a:t>1/15/24</a:t>
+              <a:t>4/23/2024</a:t>
             </a:fld>
             <a:endParaRPr lang="en-US"/>
           </a:p>
@@ -4776,7 +4776,7 @@
           <a:p>
             <a:fld id="{6B711881-F612-4398-96DF-95888C1B5250}" type="datetimeFigureOut">
               <a:rPr lang="en-US" smtClean="0"/>
-              <a:t>1/15/24</a:t>
+              <a:t>4/23/2024</a:t>
             </a:fld>
             <a:endParaRPr lang="en-US"/>
           </a:p>
@@ -5017,7 +5017,7 @@
           <a:p>
             <a:fld id="{6B711881-F612-4398-96DF-95888C1B5250}" type="datetimeFigureOut">
               <a:rPr lang="en-US" smtClean="0"/>
-              <a:t>1/15/24</a:t>
+              <a:t>4/23/2024</a:t>
             </a:fld>
             <a:endParaRPr lang="en-US"/>
           </a:p>
@@ -20048,7 +20048,7 @@
         </p:blipFill>
         <p:spPr>
           <a:xfrm>
-            <a:off x="838200" y="1260707"/>
+            <a:off x="838200" y="1278813"/>
             <a:ext cx="10709389" cy="2771602"/>
           </a:xfrm>
           <a:prstGeom prst="rect">
@@ -26121,6 +26121,15 @@
 </file>
 
 <file path=customXml/item1.xml><?xml version="1.0" encoding="utf-8"?>
+<?mso-contentType ?>
+<FormTemplates xmlns="http://schemas.microsoft.com/sharepoint/v3/contenttype/forms">
+  <Display>DocumentLibraryForm</Display>
+  <Edit>DocumentLibraryForm</Edit>
+  <New>DocumentLibraryForm</New>
+</FormTemplates>
+</file>
+
+<file path=customXml/item2.xml><?xml version="1.0" encoding="utf-8"?>
 <ct:contentTypeSchema xmlns:ct="http://schemas.microsoft.com/office/2006/metadata/contentType" xmlns:ma="http://schemas.microsoft.com/office/2006/metadata/properties/metaAttributes" ct:_="" ma:_="" ma:contentTypeName="Document" ma:contentTypeID="0x010100B30410C17F5A364EA5A8AD1A4B6522EC" ma:contentTypeVersion="0" ma:contentTypeDescription="Create a new document." ma:contentTypeScope="" ma:versionID="b1fae1b2d2d0bf4c2916cc3f6e21c98c">
   <xsd:schema xmlns:xsd="http://www.w3.org/2001/XMLSchema" xmlns:xs="http://www.w3.org/2001/XMLSchema" xmlns:p="http://schemas.microsoft.com/office/2006/metadata/properties" targetNamespace="http://schemas.microsoft.com/office/2006/metadata/properties" ma:root="true" ma:fieldsID="63f9ca9ed2b1b526ffdf70859b84e62e">
     <xsd:element name="properties">
@@ -26234,15 +26243,6 @@
 </ct:contentTypeSchema>
 </file>
 
-<file path=customXml/item2.xml><?xml version="1.0" encoding="utf-8"?>
-<?mso-contentType ?>
-<FormTemplates xmlns="http://schemas.microsoft.com/sharepoint/v3/contenttype/forms">
-  <Display>DocumentLibraryForm</Display>
-  <Edit>DocumentLibraryForm</Edit>
-  <New>DocumentLibraryForm</New>
-</FormTemplates>
-</file>
-
 <file path=customXml/item3.xml><?xml version="1.0" encoding="utf-8"?>
 <p:properties xmlns:p="http://schemas.microsoft.com/office/2006/metadata/properties" xmlns:xsi="http://www.w3.org/2001/XMLSchema-instance" xmlns:pc="http://schemas.microsoft.com/office/infopath/2007/PartnerControls">
   <documentManagement/>
@@ -26250,13 +26250,34 @@
 </file>
 
 <file path=customXml/itemProps1.xml><?xml version="1.0" encoding="utf-8"?>
-<ds:datastoreItem xmlns:ds="http://schemas.openxmlformats.org/officeDocument/2006/customXml" ds:itemID="{4B9F3CD0-6360-4C4E-BD6C-857C26E7C66B}"/>
+<ds:datastoreItem xmlns:ds="http://schemas.openxmlformats.org/officeDocument/2006/customXml" ds:itemID="{3FEA08F6-515D-4FAF-93EF-0D5277528129}">
+  <ds:schemaRefs>
+    <ds:schemaRef ds:uri="http://schemas.microsoft.com/sharepoint/v3/contenttype/forms"/>
+  </ds:schemaRefs>
+</ds:datastoreItem>
 </file>
 
 <file path=customXml/itemProps2.xml><?xml version="1.0" encoding="utf-8"?>
-<ds:datastoreItem xmlns:ds="http://schemas.openxmlformats.org/officeDocument/2006/customXml" ds:itemID="{3FEA08F6-515D-4FAF-93EF-0D5277528129}"/>
+<ds:datastoreItem xmlns:ds="http://schemas.openxmlformats.org/officeDocument/2006/customXml" ds:itemID="{4B9F3CD0-6360-4C4E-BD6C-857C26E7C66B}">
+  <ds:schemaRefs>
+    <ds:schemaRef ds:uri="http://schemas.microsoft.com/office/2006/metadata/contentType"/>
+    <ds:schemaRef ds:uri="http://schemas.microsoft.com/office/2006/metadata/properties/metaAttributes"/>
+    <ds:schemaRef ds:uri="http://www.w3.org/2001/XMLSchema"/>
+    <ds:schemaRef ds:uri="http://schemas.microsoft.com/office/2006/metadata/properties"/>
+    <ds:schemaRef ds:uri="http://schemas.openxmlformats.org/package/2006/metadata/core-properties"/>
+    <ds:schemaRef ds:uri="http://purl.org/dc/elements/1.1/"/>
+    <ds:schemaRef ds:uri="http://purl.org/dc/terms/"/>
+    <ds:schemaRef ds:uri="http://schemas.microsoft.com/internal/obd"/>
+    <ds:schemaRef ds:uri="http://schemas.microsoft.com/office/infopath/2007/PartnerControls"/>
+  </ds:schemaRefs>
+</ds:datastoreItem>
 </file>
 
 <file path=customXml/itemProps3.xml><?xml version="1.0" encoding="utf-8"?>
-<ds:datastoreItem xmlns:ds="http://schemas.openxmlformats.org/officeDocument/2006/customXml" ds:itemID="{D591E8E5-3FA1-43FC-AD43-D4D531E3D097}"/>
+<ds:datastoreItem xmlns:ds="http://schemas.openxmlformats.org/officeDocument/2006/customXml" ds:itemID="{D591E8E5-3FA1-43FC-AD43-D4D531E3D097}">
+  <ds:schemaRefs>
+    <ds:schemaRef ds:uri="http://schemas.microsoft.com/office/2006/metadata/properties"/>
+    <ds:schemaRef ds:uri="http://schemas.microsoft.com/office/infopath/2007/PartnerControls"/>
+  </ds:schemaRefs>
+</ds:datastoreItem>
 </file>